--- a/Thursday/Arduino Workshop (Thursday).pptx
+++ b/Thursday/Arduino Workshop (Thursday).pptx
@@ -5,20 +5,17 @@
     <p:sldMasterId id="2147483672" r:id="rId4"/>
   </p:sldMasterIdLst>
   <p:notesMasterIdLst>
-    <p:notesMasterId r:id="rId13"/>
+    <p:notesMasterId r:id="rId10"/>
   </p:notesMasterIdLst>
   <p:handoutMasterIdLst>
-    <p:handoutMasterId r:id="rId14"/>
+    <p:handoutMasterId r:id="rId11"/>
   </p:handoutMasterIdLst>
   <p:sldIdLst>
     <p:sldId id="256" r:id="rId5"/>
     <p:sldId id="267" r:id="rId6"/>
     <p:sldId id="263" r:id="rId7"/>
-    <p:sldId id="264" r:id="rId8"/>
-    <p:sldId id="266" r:id="rId9"/>
-    <p:sldId id="265" r:id="rId10"/>
-    <p:sldId id="269" r:id="rId11"/>
-    <p:sldId id="268" r:id="rId12"/>
+    <p:sldId id="270" r:id="rId8"/>
+    <p:sldId id="265" r:id="rId9"/>
   </p:sldIdLst>
   <p:sldSz cx="12192000" cy="6858000"/>
   <p:notesSz cx="6858000" cy="9144000"/>
@@ -222,7 +219,7 @@
           <a:p>
             <a:fld id="{AF869721-F543-4A6C-BF9D-65D7CC540427}" type="datetimeFigureOut">
               <a:rPr lang="en-US" smtClean="0"/>
-              <a:t>6/22/2022</a:t>
+              <a:t>6/24/2022</a:t>
             </a:fld>
             <a:endParaRPr lang="en-US" dirty="0"/>
           </a:p>
@@ -399,7 +396,7 @@
           <a:p>
             <a:fld id="{C732326A-4C88-4AFB-AA5B-5919D81DFF5B}" type="datetimeFigureOut">
               <a:rPr lang="en-US" smtClean="0"/>
-              <a:t>6/22/2022</a:t>
+              <a:t>6/24/2022</a:t>
             </a:fld>
             <a:endParaRPr lang="en-US" dirty="0"/>
           </a:p>
@@ -996,7 +993,7 @@
             <a:fld id="{B61BEF0D-F0BB-DE4B-95CE-6DB70DBA9567}" type="datetimeFigureOut">
               <a:rPr lang="en-US" smtClean="0"/>
               <a:pPr/>
-              <a:t>6/22/2022</a:t>
+              <a:t>6/24/2022</a:t>
             </a:fld>
             <a:endParaRPr lang="en-US" dirty="0"/>
           </a:p>
@@ -1260,7 +1257,7 @@
             <a:fld id="{B61BEF0D-F0BB-DE4B-95CE-6DB70DBA9567}" type="datetimeFigureOut">
               <a:rPr lang="en-US" smtClean="0"/>
               <a:pPr/>
-              <a:t>6/22/2022</a:t>
+              <a:t>6/24/2022</a:t>
             </a:fld>
             <a:endParaRPr lang="en-US" dirty="0"/>
           </a:p>
@@ -1497,7 +1494,7 @@
             <a:fld id="{B61BEF0D-F0BB-DE4B-95CE-6DB70DBA9567}" type="datetimeFigureOut">
               <a:rPr lang="en-US" smtClean="0"/>
               <a:pPr/>
-              <a:t>6/22/2022</a:t>
+              <a:t>6/24/2022</a:t>
             </a:fld>
             <a:endParaRPr lang="en-US" dirty="0"/>
           </a:p>
@@ -1739,7 +1736,7 @@
             <a:fld id="{B61BEF0D-F0BB-DE4B-95CE-6DB70DBA9567}" type="datetimeFigureOut">
               <a:rPr lang="en-US" smtClean="0"/>
               <a:pPr/>
-              <a:t>6/22/2022</a:t>
+              <a:t>6/24/2022</a:t>
             </a:fld>
             <a:endParaRPr lang="en-US" dirty="0"/>
           </a:p>
@@ -2048,7 +2045,7 @@
             <a:fld id="{B61BEF0D-F0BB-DE4B-95CE-6DB70DBA9567}" type="datetimeFigureOut">
               <a:rPr lang="en-US" smtClean="0"/>
               <a:pPr/>
-              <a:t>6/22/2022</a:t>
+              <a:t>6/24/2022</a:t>
             </a:fld>
             <a:endParaRPr lang="en-US" dirty="0"/>
           </a:p>
@@ -2352,7 +2349,7 @@
             <a:fld id="{B61BEF0D-F0BB-DE4B-95CE-6DB70DBA9567}" type="datetimeFigureOut">
               <a:rPr lang="en-US" smtClean="0"/>
               <a:pPr/>
-              <a:t>6/22/2022</a:t>
+              <a:t>6/24/2022</a:t>
             </a:fld>
             <a:endParaRPr lang="en-US" dirty="0"/>
           </a:p>
@@ -2776,7 +2773,7 @@
             <a:fld id="{B61BEF0D-F0BB-DE4B-95CE-6DB70DBA9567}" type="datetimeFigureOut">
               <a:rPr lang="en-US" smtClean="0"/>
               <a:pPr/>
-              <a:t>6/22/2022</a:t>
+              <a:t>6/24/2022</a:t>
             </a:fld>
             <a:endParaRPr lang="en-US" dirty="0"/>
           </a:p>
@@ -2873,7 +2870,7 @@
             <a:fld id="{B61BEF0D-F0BB-DE4B-95CE-6DB70DBA9567}" type="datetimeFigureOut">
               <a:rPr lang="en-US" smtClean="0"/>
               <a:pPr/>
-              <a:t>6/22/2022</a:t>
+              <a:t>6/24/2022</a:t>
             </a:fld>
             <a:endParaRPr lang="en-US" dirty="0"/>
           </a:p>
@@ -3037,7 +3034,7 @@
             <a:fld id="{B61BEF0D-F0BB-DE4B-95CE-6DB70DBA9567}" type="datetimeFigureOut">
               <a:rPr lang="en-US" smtClean="0"/>
               <a:pPr/>
-              <a:t>6/22/2022</a:t>
+              <a:t>6/24/2022</a:t>
             </a:fld>
             <a:endParaRPr lang="en-US" dirty="0"/>
           </a:p>
@@ -3417,7 +3414,7 @@
             <a:fld id="{B61BEF0D-F0BB-DE4B-95CE-6DB70DBA9567}" type="datetimeFigureOut">
               <a:rPr lang="en-US" smtClean="0"/>
               <a:pPr/>
-              <a:t>6/22/2022</a:t>
+              <a:t>6/24/2022</a:t>
             </a:fld>
             <a:endParaRPr lang="en-US" dirty="0"/>
           </a:p>
@@ -3708,7 +3705,7 @@
             <a:fld id="{B61BEF0D-F0BB-DE4B-95CE-6DB70DBA9567}" type="datetimeFigureOut">
               <a:rPr lang="en-US" smtClean="0"/>
               <a:pPr/>
-              <a:t>6/22/2022</a:t>
+              <a:t>6/24/2022</a:t>
             </a:fld>
             <a:endParaRPr lang="en-US" dirty="0"/>
           </a:p>
@@ -3921,7 +3918,7 @@
             <a:fld id="{B61BEF0D-F0BB-DE4B-95CE-6DB70DBA9567}" type="datetimeFigureOut">
               <a:rPr lang="en-US" smtClean="0"/>
               <a:pPr/>
-              <a:t>6/22/2022</a:t>
+              <a:t>6/24/2022</a:t>
             </a:fld>
             <a:endParaRPr lang="en-US" dirty="0"/>
           </a:p>
@@ -5017,7 +5014,7 @@
           <a:p>
             <a:r>
               <a:rPr lang="en-AU" dirty="0"/>
-              <a:t>Today’s Session - Thursday</a:t>
+              <a:t>Today’s Session - Friday</a:t>
             </a:r>
           </a:p>
         </p:txBody>
@@ -5059,16 +5056,7 @@
                 <a:effectLst/>
                 <a:latin typeface="Arial" panose="020B0604020202020204" pitchFamily="34" charset="0"/>
               </a:rPr>
-              <a:t>9am- Introduction to LCD control, </a:t>
-            </a:r>
-            <a:r>
-              <a:rPr lang="en-US" dirty="0">
-                <a:solidFill>
-                  <a:srgbClr val="000000"/>
-                </a:solidFill>
-                <a:latin typeface="Arial" panose="020B0604020202020204" pitchFamily="34" charset="0"/>
-              </a:rPr>
-              <a:t>temperature and humidity sensor circuit with display</a:t>
+              <a:t>9am- Using IR remote, controlling a dc motors direction and speed using a remote</a:t>
             </a:r>
             <a:endParaRPr lang="en-US" b="0" dirty="0">
               <a:effectLst/>
@@ -5167,7 +5155,16 @@
                 <a:effectLst/>
                 <a:latin typeface="Arial" panose="020B0604020202020204" pitchFamily="34" charset="0"/>
               </a:rPr>
-              <a:t>1-3pm – Distance Sensor with Display</a:t>
+              <a:t>1-3pm – Design Proje</a:t>
+            </a:r>
+            <a:r>
+              <a:rPr lang="en-US" dirty="0">
+                <a:solidFill>
+                  <a:srgbClr val="000000"/>
+                </a:solidFill>
+                <a:latin typeface="Arial" panose="020B0604020202020204" pitchFamily="34" charset="0"/>
+              </a:rPr>
+              <a:t>ct (Turn on DC motor (fan) when humidity reaches a certain point)</a:t>
             </a:r>
             <a:br>
               <a:rPr lang="en-US" dirty="0"/>
@@ -5216,7 +5213,7 @@
       </p:grpSpPr>
       <p:sp useBgFill="1">
         <p:nvSpPr>
-          <p:cNvPr id="19" name="Rectangle 18">
+          <p:cNvPr id="26" name="Rectangle 25">
             <a:extLst>
               <a:ext uri="{FF2B5EF4-FFF2-40B4-BE49-F238E27FC236}">
                 <a16:creationId xmlns:a16="http://schemas.microsoft.com/office/drawing/2014/main" id="{8F404549-B4DC-481C-926C-DED3EF1C585B}"/>
@@ -5276,7 +5273,7 @@
       </p:sp>
       <p:sp>
         <p:nvSpPr>
-          <p:cNvPr id="21" name="Rectangle 20">
+          <p:cNvPr id="28" name="Rectangle 27">
             <a:extLst>
               <a:ext uri="{FF2B5EF4-FFF2-40B4-BE49-F238E27FC236}">
                 <a16:creationId xmlns:a16="http://schemas.microsoft.com/office/drawing/2014/main" id="{1E8FD5CD-351E-4B06-8B78-BD5102D00908}"/>
@@ -5358,7 +5355,7 @@
           <a:p>
             <a:r>
               <a:rPr lang="en-US" dirty="0"/>
-              <a:t>LCD </a:t>
+              <a:t>LR Sensor </a:t>
             </a:r>
           </a:p>
         </p:txBody>
@@ -5410,17 +5407,171 @@
                   <a:schemeClr val="bg1"/>
                 </a:solidFill>
               </a:rPr>
-              <a:t>We don’t always want to rely on the serial monitor, so now we can start moving towards portable projects (creating our own systems rather than proof of concepts)</a:t>
+              <a:t>Be mindful of the placement – we are adding more components onto the board in the later project</a:t>
+            </a:r>
+          </a:p>
+          <a:p>
+            <a:pPr>
+              <a:spcBef>
+                <a:spcPct val="20000"/>
+              </a:spcBef>
+              <a:spcAft>
+                <a:spcPts val="600"/>
+              </a:spcAft>
+              <a:buClr>
+                <a:schemeClr val="accent2"/>
+              </a:buClr>
+              <a:buSzPct val="92000"/>
+              <a:buFont typeface="Wingdings 2" panose="05020102010507070707" pitchFamily="18" charset="2"/>
+              <a:buChar char=""/>
+            </a:pPr>
+            <a:endParaRPr lang="en-US" dirty="0">
+              <a:solidFill>
+                <a:schemeClr val="bg1"/>
+              </a:solidFill>
+            </a:endParaRPr>
+          </a:p>
+          <a:p>
+            <a:pPr>
+              <a:spcBef>
+                <a:spcPct val="20000"/>
+              </a:spcBef>
+              <a:spcAft>
+                <a:spcPts val="600"/>
+              </a:spcAft>
+              <a:buClr>
+                <a:schemeClr val="accent2"/>
+              </a:buClr>
+              <a:buSzPct val="92000"/>
+              <a:buFont typeface="Wingdings 2" panose="05020102010507070707" pitchFamily="18" charset="2"/>
+              <a:buChar char=""/>
+            </a:pPr>
+            <a:r>
+              <a:rPr lang="en-US" dirty="0">
+                <a:solidFill>
+                  <a:schemeClr val="bg1"/>
+                </a:solidFill>
+              </a:rPr>
+              <a:t>G = Ground</a:t>
+            </a:r>
+          </a:p>
+          <a:p>
+            <a:pPr>
+              <a:spcBef>
+                <a:spcPct val="20000"/>
+              </a:spcBef>
+              <a:spcAft>
+                <a:spcPts val="600"/>
+              </a:spcAft>
+              <a:buClr>
+                <a:schemeClr val="accent2"/>
+              </a:buClr>
+              <a:buSzPct val="92000"/>
+              <a:buFont typeface="Wingdings 2" panose="05020102010507070707" pitchFamily="18" charset="2"/>
+              <a:buChar char=""/>
+            </a:pPr>
+            <a:r>
+              <a:rPr lang="en-US" dirty="0">
+                <a:solidFill>
+                  <a:schemeClr val="bg1"/>
+                </a:solidFill>
+              </a:rPr>
+              <a:t>R= Positive</a:t>
+            </a:r>
+          </a:p>
+          <a:p>
+            <a:pPr>
+              <a:spcBef>
+                <a:spcPct val="20000"/>
+              </a:spcBef>
+              <a:spcAft>
+                <a:spcPts val="600"/>
+              </a:spcAft>
+              <a:buClr>
+                <a:schemeClr val="accent2"/>
+              </a:buClr>
+              <a:buSzPct val="92000"/>
+              <a:buFont typeface="Wingdings 2" panose="05020102010507070707" pitchFamily="18" charset="2"/>
+              <a:buChar char=""/>
+            </a:pPr>
+            <a:r>
+              <a:rPr lang="en-US" dirty="0">
+                <a:solidFill>
+                  <a:schemeClr val="bg1"/>
+                </a:solidFill>
+              </a:rPr>
+              <a:t>Y= PWM Signal Pin</a:t>
+            </a:r>
+          </a:p>
+          <a:p>
+            <a:pPr>
+              <a:spcBef>
+                <a:spcPct val="20000"/>
+              </a:spcBef>
+              <a:spcAft>
+                <a:spcPts val="600"/>
+              </a:spcAft>
+              <a:buClr>
+                <a:schemeClr val="accent2"/>
+              </a:buClr>
+              <a:buSzPct val="92000"/>
+              <a:buFont typeface="Wingdings 2" panose="05020102010507070707" pitchFamily="18" charset="2"/>
+              <a:buChar char=""/>
+            </a:pPr>
+            <a:endParaRPr lang="en-US" dirty="0">
+              <a:solidFill>
+                <a:schemeClr val="bg1"/>
+              </a:solidFill>
+            </a:endParaRPr>
+          </a:p>
+          <a:p>
+            <a:pPr>
+              <a:spcBef>
+                <a:spcPct val="20000"/>
+              </a:spcBef>
+              <a:spcAft>
+                <a:spcPts val="600"/>
+              </a:spcAft>
+              <a:buClr>
+                <a:schemeClr val="accent2"/>
+              </a:buClr>
+              <a:buSzPct val="92000"/>
+              <a:buFont typeface="Wingdings 2" panose="05020102010507070707" pitchFamily="18" charset="2"/>
+              <a:buChar char=""/>
+            </a:pPr>
+            <a:r>
+              <a:rPr lang="en-US" dirty="0">
+                <a:solidFill>
+                  <a:schemeClr val="bg1"/>
+                </a:solidFill>
+              </a:rPr>
+              <a:t>Download “</a:t>
+            </a:r>
+            <a:r>
+              <a:rPr lang="en-US" dirty="0" err="1">
+                <a:solidFill>
+                  <a:schemeClr val="bg1"/>
+                </a:solidFill>
+              </a:rPr>
+              <a:t>IRRemote</a:t>
+            </a:r>
+            <a:r>
+              <a:rPr lang="en-US" dirty="0">
+                <a:solidFill>
+                  <a:schemeClr val="bg1"/>
+                </a:solidFill>
+              </a:rPr>
+              <a:t>” Library</a:t>
             </a:r>
           </a:p>
         </p:txBody>
       </p:sp>
       <p:pic>
         <p:nvPicPr>
-          <p:cNvPr id="7" name="Picture 6" descr="A picture containing table&#10;&#10;Description automatically generated">
+          <p:cNvPr id="4" name="Picture 3" descr="A picture containing text, floor, electronics&#10;&#10;Description automatically generated">
             <a:extLst>
               <a:ext uri="{FF2B5EF4-FFF2-40B4-BE49-F238E27FC236}">
-                <a16:creationId xmlns:a16="http://schemas.microsoft.com/office/drawing/2014/main" id="{3B20BD04-818D-155E-E094-E4DE457E121A}"/>
+                <a16:creationId xmlns:a16="http://schemas.microsoft.com/office/drawing/2014/main" id="{F2004105-56F4-1BFA-1D9C-6F254D8BF18C}"/>
               </a:ext>
             </a:extLst>
           </p:cNvPr>
@@ -5437,8 +5588,8 @@
         </p:blipFill>
         <p:spPr>
           <a:xfrm>
-            <a:off x="4791522" y="1388880"/>
-            <a:ext cx="6489819" cy="4100869"/>
+            <a:off x="5442923" y="1111641"/>
+            <a:ext cx="5187017" cy="4655348"/>
           </a:xfrm>
           <a:prstGeom prst="rect">
             <a:avLst/>
@@ -5488,7 +5639,7 @@
           <p:cNvPr id="12" name="Rectangle 11">
             <a:extLst>
               <a:ext uri="{FF2B5EF4-FFF2-40B4-BE49-F238E27FC236}">
-                <a16:creationId xmlns:a16="http://schemas.microsoft.com/office/drawing/2014/main" id="{48E96387-12F1-45E4-9322-ABBF2EE040E9}"/>
+                <a16:creationId xmlns:a16="http://schemas.microsoft.com/office/drawing/2014/main" id="{A078A52F-85EA-4C0B-962B-D9D9DD4DD78C}"/>
               </a:ext>
               <a:ext uri="{C183D7F6-B498-43B3-948B-1728B52AA6E4}">
                 <adec:decorative xmlns:adec="http://schemas.microsoft.com/office/drawing/2017/decorative" val="1"/>
@@ -5542,7 +5693,7 @@
           <p:cNvPr id="14" name="Rectangle 13">
             <a:extLst>
               <a:ext uri="{FF2B5EF4-FFF2-40B4-BE49-F238E27FC236}">
-                <a16:creationId xmlns:a16="http://schemas.microsoft.com/office/drawing/2014/main" id="{A9F421DD-DE4E-4547-A904-3F80E25E3F35}"/>
+                <a16:creationId xmlns:a16="http://schemas.microsoft.com/office/drawing/2014/main" id="{919797D5-5700-4683-B30A-5B4D56CB8270}"/>
               </a:ext>
               <a:ext uri="{C183D7F6-B498-43B3-948B-1728B52AA6E4}">
                 <adec:decorative xmlns:adec="http://schemas.microsoft.com/office/drawing/2017/decorative" val="1"/>
@@ -5596,7 +5747,7 @@
           <p:cNvPr id="16" name="Rectangle 15">
             <a:extLst>
               <a:ext uri="{FF2B5EF4-FFF2-40B4-BE49-F238E27FC236}">
-                <a16:creationId xmlns:a16="http://schemas.microsoft.com/office/drawing/2014/main" id="{09985DEC-1215-4209-9708-B45CC977402E}"/>
+                <a16:creationId xmlns:a16="http://schemas.microsoft.com/office/drawing/2014/main" id="{4856A7B9-9801-42EC-A4C9-7E22A56EF53D}"/>
               </a:ext>
               <a:ext uri="{C183D7F6-B498-43B3-948B-1728B52AA6E4}">
                 <adec:decorative xmlns:adec="http://schemas.microsoft.com/office/drawing/2017/decorative" val="1"/>
@@ -5650,7 +5801,7 @@
           <p:cNvPr id="18" name="Rectangle 17">
             <a:extLst>
               <a:ext uri="{FF2B5EF4-FFF2-40B4-BE49-F238E27FC236}">
-                <a16:creationId xmlns:a16="http://schemas.microsoft.com/office/drawing/2014/main" id="{90EB7086-616E-4D44-94BE-D0F763561782}"/>
+                <a16:creationId xmlns:a16="http://schemas.microsoft.com/office/drawing/2014/main" id="{8AD54DB8-C150-4290-85D6-F5B0262BFEEF}"/>
               </a:ext>
               <a:ext uri="{C183D7F6-B498-43B3-948B-1728B52AA6E4}">
                 <adec:decorative xmlns:adec="http://schemas.microsoft.com/office/drawing/2017/decorative" val="1"/>
@@ -5704,7 +5855,7 @@
           <p:cNvPr id="20" name="Rectangle 19">
             <a:extLst>
               <a:ext uri="{FF2B5EF4-FFF2-40B4-BE49-F238E27FC236}">
-                <a16:creationId xmlns:a16="http://schemas.microsoft.com/office/drawing/2014/main" id="{F115DB35-53D7-4EDC-A965-A434929617CC}"/>
+                <a16:creationId xmlns:a16="http://schemas.microsoft.com/office/drawing/2014/main" id="{379F11E2-8BA5-4C5C-AE7C-361E5EA011FF}"/>
               </a:ext>
               <a:ext uri="{C183D7F6-B498-43B3-948B-1728B52AA6E4}">
                 <adec:decorative xmlns:adec="http://schemas.microsoft.com/office/drawing/2017/decorative" val="1"/>
@@ -5724,8 +5875,8 @@
         </p:nvSpPr>
         <p:spPr>
           <a:xfrm>
-            <a:off x="0" y="638175"/>
-            <a:ext cx="12191999" cy="6219825"/>
+            <a:off x="0" y="1"/>
+            <a:ext cx="12191999" cy="6858000"/>
           </a:xfrm>
           <a:prstGeom prst="rect">
             <a:avLst/>
@@ -5761,10 +5912,10 @@
       </p:sp>
       <p:pic>
         <p:nvPicPr>
-          <p:cNvPr id="7" name="Content Placeholder 6" descr="A picture containing text, circuit, electronics&#10;&#10;Description automatically generated">
+          <p:cNvPr id="7" name="Content Placeholder 6" descr="A close-up of a computer&#10;&#10;Description automatically generated with low confidence">
             <a:extLst>
               <a:ext uri="{FF2B5EF4-FFF2-40B4-BE49-F238E27FC236}">
-                <a16:creationId xmlns:a16="http://schemas.microsoft.com/office/drawing/2014/main" id="{20FF4F75-8C4A-CA0A-AE37-A313A3DCB4CF}"/>
+                <a16:creationId xmlns:a16="http://schemas.microsoft.com/office/drawing/2014/main" id="{D44330CF-4F1C-59A8-64DD-4EE973C28607}"/>
               </a:ext>
             </a:extLst>
           </p:cNvPr>
@@ -5775,16 +5926,15 @@
             <p:ph idx="1"/>
           </p:nvPr>
         </p:nvPicPr>
-        <p:blipFill>
+        <p:blipFill rotWithShape="1">
           <a:blip r:embed="rId2"/>
-          <a:stretch>
-            <a:fillRect/>
-          </a:stretch>
+          <a:srcRect r="8200" b="2"/>
+          <a:stretch/>
         </p:blipFill>
         <p:spPr>
           <a:xfrm>
-            <a:off x="1507807" y="1208531"/>
-            <a:ext cx="5365517" cy="4735069"/>
+            <a:off x="446534" y="723899"/>
+            <a:ext cx="7498616" cy="5676901"/>
           </a:xfrm>
           <a:prstGeom prst="rect">
             <a:avLst/>
@@ -5796,7 +5946,7 @@
           <p:cNvPr id="22" name="Rectangle 21">
             <a:extLst>
               <a:ext uri="{FF2B5EF4-FFF2-40B4-BE49-F238E27FC236}">
-                <a16:creationId xmlns:a16="http://schemas.microsoft.com/office/drawing/2014/main" id="{4B610F9C-62FE-46FC-8607-C35030B6321A}"/>
+                <a16:creationId xmlns:a16="http://schemas.microsoft.com/office/drawing/2014/main" id="{7C00E1DA-EC7C-40FC-95E3-11FDCD2E4291}"/>
               </a:ext>
               <a:ext uri="{C183D7F6-B498-43B3-948B-1728B52AA6E4}">
                 <adec:decorative xmlns:adec="http://schemas.microsoft.com/office/drawing/2017/decorative" val="1"/>
@@ -5850,7 +6000,7 @@
           <p:cNvPr id="2" name="Title 1">
             <a:extLst>
               <a:ext uri="{FF2B5EF4-FFF2-40B4-BE49-F238E27FC236}">
-                <a16:creationId xmlns:a16="http://schemas.microsoft.com/office/drawing/2014/main" id="{AFA53A80-44AD-0CDD-5C65-6E7C06957656}"/>
+                <a16:creationId xmlns:a16="http://schemas.microsoft.com/office/drawing/2014/main" id="{45C5AB5D-9FAE-9B7F-B615-7DEC92D92AD7}"/>
               </a:ext>
             </a:extLst>
           </p:cNvPr>
@@ -5873,21 +6023,230 @@
           </a:bodyPr>
           <a:lstStyle/>
           <a:p>
-            <a:r>
-              <a:rPr lang="en-US" dirty="0">
+            <a:pPr>
+              <a:lnSpc>
+                <a:spcPct val="90000"/>
+              </a:lnSpc>
+            </a:pPr>
+            <a:r>
+              <a:rPr lang="en-US" sz="3100" dirty="0">
                 <a:solidFill>
                   <a:srgbClr val="FFFFFF"/>
                 </a:solidFill>
               </a:rPr>
-              <a:t>LCD and Potentiometer sensor</a:t>
-            </a:r>
-          </a:p>
-        </p:txBody>
-      </p:sp>
+              <a:t>Motor controlled by remote – add </a:t>
+            </a:r>
+            <a:r>
+              <a:rPr lang="en-US" sz="3100" dirty="0" err="1">
+                <a:solidFill>
+                  <a:srgbClr val="FFFFFF"/>
+                </a:solidFill>
+              </a:rPr>
+              <a:t>ir</a:t>
+            </a:r>
+            <a:r>
+              <a:rPr lang="en-US" sz="3100" dirty="0">
+                <a:solidFill>
+                  <a:srgbClr val="FFFFFF"/>
+                </a:solidFill>
+              </a:rPr>
+              <a:t> sensor</a:t>
+            </a:r>
+          </a:p>
+        </p:txBody>
+      </p:sp>
+      <p:grpSp>
+        <p:nvGrpSpPr>
+          <p:cNvPr id="24" name="Group 23">
+            <a:extLst>
+              <a:ext uri="{FF2B5EF4-FFF2-40B4-BE49-F238E27FC236}">
+                <a16:creationId xmlns:a16="http://schemas.microsoft.com/office/drawing/2014/main" id="{9A421166-2996-41A7-B094-AE5316F347DD}"/>
+              </a:ext>
+              <a:ext uri="{C183D7F6-B498-43B3-948B-1728B52AA6E4}">
+                <adec:decorative xmlns:adec="http://schemas.microsoft.com/office/drawing/2017/decorative" val="1"/>
+              </a:ext>
+            </a:extLst>
+          </p:cNvPr>
+          <p:cNvGrpSpPr>
+            <a:grpSpLocks noGrp="1" noUngrp="1" noRot="1" noChangeAspect="1" noMove="1" noResize="1"/>
+          </p:cNvGrpSpPr>
+          <p:nvPr>
+            <p:extLst>
+              <p:ext uri="{386F3935-93C4-4BCD-93E2-E3B085C9AB24}">
+                <p16:designElem xmlns:p16="http://schemas.microsoft.com/office/powerpoint/2015/main" val="1"/>
+              </p:ext>
+            </p:extLst>
+          </p:nvPr>
+        </p:nvGrpSpPr>
+        <p:grpSpPr>
+          <a:xfrm>
+            <a:off x="446534" y="453643"/>
+            <a:ext cx="11298933" cy="98554"/>
+            <a:chOff x="446534" y="453643"/>
+            <a:chExt cx="11298933" cy="98554"/>
+          </a:xfrm>
+        </p:grpSpPr>
+        <p:sp>
+          <p:nvSpPr>
+            <p:cNvPr id="25" name="Rectangle 24">
+              <a:extLst>
+                <a:ext uri="{FF2B5EF4-FFF2-40B4-BE49-F238E27FC236}">
+                  <a16:creationId xmlns:a16="http://schemas.microsoft.com/office/drawing/2014/main" id="{FDBB1B92-A3EB-43E4-8FAB-D20E8ED14CEF}"/>
+                </a:ext>
+                <a:ext uri="{C183D7F6-B498-43B3-948B-1728B52AA6E4}">
+                  <adec:decorative xmlns:adec="http://schemas.microsoft.com/office/drawing/2017/decorative" val="1"/>
+                </a:ext>
+              </a:extLst>
+            </p:cNvPr>
+            <p:cNvSpPr/>
+            <p:nvPr>
+              <p:extLst>
+                <p:ext uri="{386F3935-93C4-4BCD-93E2-E3B085C9AB24}">
+                  <p16:designElem xmlns:p16="http://schemas.microsoft.com/office/powerpoint/2015/main" val="1"/>
+                </p:ext>
+              </p:extLst>
+            </p:nvPr>
+          </p:nvSpPr>
+          <p:spPr>
+            <a:xfrm>
+              <a:off x="446534" y="457200"/>
+              <a:ext cx="3703320" cy="94997"/>
+            </a:xfrm>
+            <a:prstGeom prst="rect">
+              <a:avLst/>
+            </a:prstGeom>
+            <a:solidFill>
+              <a:schemeClr val="accent1"/>
+            </a:solidFill>
+            <a:ln>
+              <a:noFill/>
+            </a:ln>
+            <a:effectLst/>
+          </p:spPr>
+          <p:style>
+            <a:lnRef idx="1">
+              <a:schemeClr val="accent1"/>
+            </a:lnRef>
+            <a:fillRef idx="3">
+              <a:schemeClr val="accent1"/>
+            </a:fillRef>
+            <a:effectRef idx="2">
+              <a:schemeClr val="accent1"/>
+            </a:effectRef>
+            <a:fontRef idx="minor">
+              <a:schemeClr val="lt1"/>
+            </a:fontRef>
+          </p:style>
+        </p:sp>
+        <p:sp>
+          <p:nvSpPr>
+            <p:cNvPr id="26" name="Rectangle 25">
+              <a:extLst>
+                <a:ext uri="{FF2B5EF4-FFF2-40B4-BE49-F238E27FC236}">
+                  <a16:creationId xmlns:a16="http://schemas.microsoft.com/office/drawing/2014/main" id="{3F3972F4-FE7E-48EA-AAD8-9BE5750A6672}"/>
+                </a:ext>
+                <a:ext uri="{C183D7F6-B498-43B3-948B-1728B52AA6E4}">
+                  <adec:decorative xmlns:adec="http://schemas.microsoft.com/office/drawing/2017/decorative" val="1"/>
+                </a:ext>
+              </a:extLst>
+            </p:cNvPr>
+            <p:cNvSpPr/>
+            <p:nvPr>
+              <p:extLst>
+                <p:ext uri="{386F3935-93C4-4BCD-93E2-E3B085C9AB24}">
+                  <p16:designElem xmlns:p16="http://schemas.microsoft.com/office/powerpoint/2015/main" val="1"/>
+                </p:ext>
+              </p:extLst>
+            </p:nvPr>
+          </p:nvSpPr>
+          <p:spPr>
+            <a:xfrm>
+              <a:off x="8042147" y="453643"/>
+              <a:ext cx="3703320" cy="98554"/>
+            </a:xfrm>
+            <a:prstGeom prst="rect">
+              <a:avLst/>
+            </a:prstGeom>
+            <a:solidFill>
+              <a:schemeClr val="accent4"/>
+            </a:solidFill>
+            <a:ln>
+              <a:noFill/>
+            </a:ln>
+            <a:effectLst/>
+          </p:spPr>
+          <p:style>
+            <a:lnRef idx="1">
+              <a:schemeClr val="accent1"/>
+            </a:lnRef>
+            <a:fillRef idx="3">
+              <a:schemeClr val="accent1"/>
+            </a:fillRef>
+            <a:effectRef idx="2">
+              <a:schemeClr val="accent1"/>
+            </a:effectRef>
+            <a:fontRef idx="minor">
+              <a:schemeClr val="lt1"/>
+            </a:fontRef>
+          </p:style>
+        </p:sp>
+        <p:sp>
+          <p:nvSpPr>
+            <p:cNvPr id="27" name="Rectangle 26">
+              <a:extLst>
+                <a:ext uri="{FF2B5EF4-FFF2-40B4-BE49-F238E27FC236}">
+                  <a16:creationId xmlns:a16="http://schemas.microsoft.com/office/drawing/2014/main" id="{221614E5-870B-4D5E-A43B-8FF7E5323484}"/>
+                </a:ext>
+                <a:ext uri="{C183D7F6-B498-43B3-948B-1728B52AA6E4}">
+                  <adec:decorative xmlns:adec="http://schemas.microsoft.com/office/drawing/2017/decorative" val="1"/>
+                </a:ext>
+              </a:extLst>
+            </p:cNvPr>
+            <p:cNvSpPr/>
+            <p:nvPr>
+              <p:extLst>
+                <p:ext uri="{386F3935-93C4-4BCD-93E2-E3B085C9AB24}">
+                  <p16:designElem xmlns:p16="http://schemas.microsoft.com/office/powerpoint/2015/main" val="1"/>
+                </p:ext>
+              </p:extLst>
+            </p:nvPr>
+          </p:nvSpPr>
+          <p:spPr>
+            <a:xfrm>
+              <a:off x="4241830" y="457200"/>
+              <a:ext cx="3703320" cy="91440"/>
+            </a:xfrm>
+            <a:prstGeom prst="rect">
+              <a:avLst/>
+            </a:prstGeom>
+            <a:solidFill>
+              <a:schemeClr val="accent2"/>
+            </a:solidFill>
+            <a:ln>
+              <a:noFill/>
+            </a:ln>
+            <a:effectLst/>
+          </p:spPr>
+          <p:style>
+            <a:lnRef idx="1">
+              <a:schemeClr val="accent1"/>
+            </a:lnRef>
+            <a:fillRef idx="3">
+              <a:schemeClr val="accent1"/>
+            </a:fillRef>
+            <a:effectRef idx="2">
+              <a:schemeClr val="accent1"/>
+            </a:effectRef>
+            <a:fontRef idx="minor">
+              <a:schemeClr val="lt1"/>
+            </a:fontRef>
+          </p:style>
+        </p:sp>
+      </p:grpSp>
     </p:spTree>
     <p:extLst>
       <p:ext uri="{BB962C8B-B14F-4D97-AF65-F5344CB8AC3E}">
-        <p14:creationId xmlns:p14="http://schemas.microsoft.com/office/powerpoint/2010/main" val="599292967"/>
+        <p14:creationId xmlns:p14="http://schemas.microsoft.com/office/powerpoint/2010/main" val="2514828395"/>
       </p:ext>
     </p:extLst>
   </p:cSld>
@@ -5924,7 +6283,7 @@
       </p:grpSpPr>
       <p:sp useBgFill="1">
         <p:nvSpPr>
-          <p:cNvPr id="35" name="Rectangle 34">
+          <p:cNvPr id="31" name="Rectangle 30">
             <a:extLst>
               <a:ext uri="{FF2B5EF4-FFF2-40B4-BE49-F238E27FC236}">
                 <a16:creationId xmlns:a16="http://schemas.microsoft.com/office/drawing/2014/main" id="{8F404549-B4DC-481C-926C-DED3EF1C585B}"/>
@@ -5984,7 +6343,7 @@
       </p:sp>
       <p:sp>
         <p:nvSpPr>
-          <p:cNvPr id="37" name="Rectangle 36">
+          <p:cNvPr id="33" name="Rectangle 32">
             <a:extLst>
               <a:ext uri="{FF2B5EF4-FFF2-40B4-BE49-F238E27FC236}">
                 <a16:creationId xmlns:a16="http://schemas.microsoft.com/office/drawing/2014/main" id="{1E8FD5CD-351E-4B06-8B78-BD5102D00908}"/>
@@ -6041,7 +6400,7 @@
           <p:cNvPr id="2" name="Title 1">
             <a:extLst>
               <a:ext uri="{FF2B5EF4-FFF2-40B4-BE49-F238E27FC236}">
-                <a16:creationId xmlns:a16="http://schemas.microsoft.com/office/drawing/2014/main" id="{8AC9A70C-608E-34A5-C6B8-43C3187345B6}"/>
+                <a16:creationId xmlns:a16="http://schemas.microsoft.com/office/drawing/2014/main" id="{D2FAA74D-F420-A0D0-C64B-FF8E0A85CA63}"/>
               </a:ext>
             </a:extLst>
           </p:cNvPr>
@@ -6059,7 +6418,7 @@
           </a:xfrm>
         </p:spPr>
         <p:txBody>
-          <a:bodyPr vert="horz" lIns="91440" tIns="45720" rIns="91440" bIns="45720" rtlCol="0" anchor="b">
+          <a:bodyPr>
             <a:normAutofit/>
           </a:bodyPr>
           <a:lstStyle/>
@@ -6070,536 +6429,8 @@
               </a:lnSpc>
             </a:pPr>
             <a:r>
-              <a:rPr lang="en-US" sz="2200"/>
-              <a:t>DHT11 Temperature and Humidity Sensor</a:t>
-            </a:r>
-          </a:p>
-        </p:txBody>
-      </p:sp>
-      <p:sp>
-        <p:nvSpPr>
-          <p:cNvPr id="12" name="TextBox 11">
-            <a:extLst>
-              <a:ext uri="{FF2B5EF4-FFF2-40B4-BE49-F238E27FC236}">
-                <a16:creationId xmlns:a16="http://schemas.microsoft.com/office/drawing/2014/main" id="{D5BFE7AD-DB83-C076-5AAE-E477CC28AE2E}"/>
-              </a:ext>
-            </a:extLst>
-          </p:cNvPr>
-          <p:cNvSpPr txBox="1"/>
-          <p:nvPr/>
-        </p:nvSpPr>
-        <p:spPr>
-          <a:xfrm>
-            <a:off x="601255" y="1964168"/>
-            <a:ext cx="3409782" cy="4036582"/>
-          </a:xfrm>
-          <a:prstGeom prst="rect">
-            <a:avLst/>
-          </a:prstGeom>
-        </p:spPr>
-        <p:txBody>
-          <a:bodyPr vert="horz" lIns="91440" tIns="45720" rIns="91440" bIns="45720" rtlCol="0" anchor="ctr">
-            <a:normAutofit/>
-          </a:bodyPr>
-          <a:lstStyle/>
-          <a:p>
-            <a:pPr marL="342900" indent="-342900">
-              <a:spcBef>
-                <a:spcPct val="20000"/>
-              </a:spcBef>
-              <a:spcAft>
-                <a:spcPts val="600"/>
-              </a:spcAft>
-              <a:buClr>
-                <a:schemeClr val="accent2"/>
-              </a:buClr>
-              <a:buSzPct val="92000"/>
-              <a:buFont typeface="Wingdings 2" panose="05020102010507070707" pitchFamily="18" charset="2"/>
-              <a:buChar char=""/>
-            </a:pPr>
-            <a:r>
-              <a:rPr lang="en-US" dirty="0">
-                <a:solidFill>
-                  <a:schemeClr val="bg1"/>
-                </a:solidFill>
-              </a:rPr>
-              <a:t>Download DHT Sensory library</a:t>
-            </a:r>
-          </a:p>
-          <a:p>
-            <a:pPr marL="342900" indent="-342900">
-              <a:spcBef>
-                <a:spcPct val="20000"/>
-              </a:spcBef>
-              <a:spcAft>
-                <a:spcPts val="600"/>
-              </a:spcAft>
-              <a:buClr>
-                <a:schemeClr val="accent2"/>
-              </a:buClr>
-              <a:buSzPct val="92000"/>
-              <a:buFont typeface="Wingdings 2" panose="05020102010507070707" pitchFamily="18" charset="2"/>
-              <a:buChar char=""/>
-            </a:pPr>
-            <a:r>
-              <a:rPr lang="en-US" dirty="0">
-                <a:solidFill>
-                  <a:schemeClr val="bg1"/>
-                </a:solidFill>
-              </a:rPr>
-              <a:t>Drag and drop to desktop</a:t>
-            </a:r>
-          </a:p>
-          <a:p>
-            <a:pPr marL="342900" indent="-342900">
-              <a:spcBef>
-                <a:spcPct val="20000"/>
-              </a:spcBef>
-              <a:spcAft>
-                <a:spcPts val="600"/>
-              </a:spcAft>
-              <a:buClr>
-                <a:schemeClr val="accent2"/>
-              </a:buClr>
-              <a:buSzPct val="92000"/>
-              <a:buFont typeface="Wingdings 2" panose="05020102010507070707" pitchFamily="18" charset="2"/>
-              <a:buChar char=""/>
-            </a:pPr>
-            <a:r>
-              <a:rPr lang="en-US" dirty="0">
-                <a:solidFill>
-                  <a:schemeClr val="bg1"/>
-                </a:solidFill>
-              </a:rPr>
-              <a:t>Find “</a:t>
-            </a:r>
-            <a:r>
-              <a:rPr lang="en-US" dirty="0" err="1">
-                <a:solidFill>
-                  <a:schemeClr val="bg1"/>
-                </a:solidFill>
-              </a:rPr>
-              <a:t>Sketchs</a:t>
-            </a:r>
-            <a:r>
-              <a:rPr lang="en-US" dirty="0">
-                <a:solidFill>
-                  <a:schemeClr val="bg1"/>
-                </a:solidFill>
-              </a:rPr>
-              <a:t>” Location, example C:\Users\jessi\OneDrive\Documents\Arduino</a:t>
-            </a:r>
-          </a:p>
-          <a:p>
-            <a:pPr marL="342900" indent="-342900">
-              <a:spcBef>
-                <a:spcPct val="20000"/>
-              </a:spcBef>
-              <a:spcAft>
-                <a:spcPts val="600"/>
-              </a:spcAft>
-              <a:buClr>
-                <a:schemeClr val="accent2"/>
-              </a:buClr>
-              <a:buSzPct val="92000"/>
-              <a:buFont typeface="Wingdings 2" panose="05020102010507070707" pitchFamily="18" charset="2"/>
-              <a:buChar char=""/>
-            </a:pPr>
-            <a:r>
-              <a:rPr lang="en-US" dirty="0">
-                <a:solidFill>
-                  <a:schemeClr val="bg1"/>
-                </a:solidFill>
-              </a:rPr>
-              <a:t>Drag and drop library into the libraries folder: \Documents\Arduino\Libraries</a:t>
-            </a:r>
-          </a:p>
-          <a:p>
-            <a:pPr marL="342900" indent="-342900">
-              <a:spcBef>
-                <a:spcPct val="20000"/>
-              </a:spcBef>
-              <a:spcAft>
-                <a:spcPts val="600"/>
-              </a:spcAft>
-              <a:buClr>
-                <a:schemeClr val="accent2"/>
-              </a:buClr>
-              <a:buSzPct val="92000"/>
-              <a:buFont typeface="Wingdings 2" panose="05020102010507070707" pitchFamily="18" charset="2"/>
-              <a:buChar char=""/>
-            </a:pPr>
-            <a:endParaRPr lang="en-US" dirty="0">
-              <a:solidFill>
-                <a:schemeClr val="bg1"/>
-              </a:solidFill>
-            </a:endParaRPr>
-          </a:p>
-        </p:txBody>
-      </p:sp>
-      <p:pic>
-        <p:nvPicPr>
-          <p:cNvPr id="10" name="Picture 9" descr="Graphical user interface, text, application, email&#10;&#10;Description automatically generated">
-            <a:extLst>
-              <a:ext uri="{FF2B5EF4-FFF2-40B4-BE49-F238E27FC236}">
-                <a16:creationId xmlns:a16="http://schemas.microsoft.com/office/drawing/2014/main" id="{07CA9BD1-4599-48AC-2E14-AEF0AA97CFAF}"/>
-              </a:ext>
-            </a:extLst>
-          </p:cNvPr>
-          <p:cNvPicPr>
-            <a:picLocks noChangeAspect="1"/>
-          </p:cNvPicPr>
-          <p:nvPr/>
-        </p:nvPicPr>
-        <p:blipFill rotWithShape="1">
-          <a:blip r:embed="rId2"/>
-          <a:srcRect r="15461" b="-2"/>
-          <a:stretch/>
-        </p:blipFill>
-        <p:spPr>
-          <a:xfrm>
-            <a:off x="4961819" y="1111641"/>
-            <a:ext cx="6149225" cy="4655348"/>
-          </a:xfrm>
-          <a:prstGeom prst="rect">
-            <a:avLst/>
-          </a:prstGeom>
-        </p:spPr>
-      </p:pic>
-      <p:sp>
-        <p:nvSpPr>
-          <p:cNvPr id="11" name="Rectangle 10">
-            <a:extLst>
-              <a:ext uri="{FF2B5EF4-FFF2-40B4-BE49-F238E27FC236}">
-                <a16:creationId xmlns:a16="http://schemas.microsoft.com/office/drawing/2014/main" id="{009B1F1A-7014-F8FD-E0E5-823083833DED}"/>
-              </a:ext>
-            </a:extLst>
-          </p:cNvPr>
-          <p:cNvSpPr/>
-          <p:nvPr/>
-        </p:nvSpPr>
-        <p:spPr>
-          <a:xfrm>
-            <a:off x="5010150" y="5438774"/>
-            <a:ext cx="1371600" cy="409575"/>
-          </a:xfrm>
-          <a:prstGeom prst="rect">
-            <a:avLst/>
-          </a:prstGeom>
-          <a:noFill/>
-          <a:ln w="9525" cap="flat" cmpd="sng" algn="ctr">
-            <a:solidFill>
-              <a:schemeClr val="dk1"/>
-            </a:solidFill>
-            <a:prstDash val="solid"/>
-            <a:round/>
-            <a:headEnd type="none" w="med" len="med"/>
-            <a:tailEnd type="none" w="med" len="med"/>
-          </a:ln>
-        </p:spPr>
-        <p:style>
-          <a:lnRef idx="0">
-            <a:scrgbClr r="0" g="0" b="0"/>
-          </a:lnRef>
-          <a:fillRef idx="0">
-            <a:scrgbClr r="0" g="0" b="0"/>
-          </a:fillRef>
-          <a:effectRef idx="0">
-            <a:scrgbClr r="0" g="0" b="0"/>
-          </a:effectRef>
-          <a:fontRef idx="minor">
-            <a:schemeClr val="dk1"/>
-          </a:fontRef>
-        </p:style>
-        <p:txBody>
-          <a:bodyPr rtlCol="0" anchor="ctr"/>
-          <a:lstStyle/>
-          <a:p>
-            <a:pPr algn="ctr"/>
-            <a:endParaRPr lang="en-AU"/>
-          </a:p>
-        </p:txBody>
-      </p:sp>
-    </p:spTree>
-    <p:extLst>
-      <p:ext uri="{BB962C8B-B14F-4D97-AF65-F5344CB8AC3E}">
-        <p14:creationId xmlns:p14="http://schemas.microsoft.com/office/powerpoint/2010/main" val="1770189543"/>
-      </p:ext>
-    </p:extLst>
-  </p:cSld>
-  <p:clrMapOvr>
-    <a:masterClrMapping/>
-  </p:clrMapOvr>
-  <p:timing>
-    <p:tnLst>
-      <p:par>
-        <p:cTn id="1" dur="indefinite" restart="never" nodeType="tmRoot">
-          <p:childTnLst>
-            <p:seq concurrent="1" nextAc="seek">
-              <p:cTn id="2" dur="indefinite" nodeType="mainSeq">
-                <p:childTnLst>
-                  <p:par>
-                    <p:cTn id="3" fill="hold">
-                      <p:stCondLst>
-                        <p:cond delay="indefinite"/>
-                        <p:cond evt="onBegin" delay="0">
-                          <p:tn val="2"/>
-                        </p:cond>
-                      </p:stCondLst>
-                      <p:childTnLst>
-                        <p:par>
-                          <p:cTn id="4" fill="hold">
-                            <p:stCondLst>
-                              <p:cond delay="0"/>
-                            </p:stCondLst>
-                            <p:childTnLst>
-                              <p:par>
-                                <p:cTn id="5" presetID="10" presetClass="entr" presetSubtype="0" fill="hold" grpId="0" nodeType="withEffect">
-                                  <p:stCondLst>
-                                    <p:cond delay="1000"/>
-                                  </p:stCondLst>
-                                  <p:iterate>
-                                    <p:tmPct val="10000"/>
-                                  </p:iterate>
-                                  <p:childTnLst>
-                                    <p:set>
-                                      <p:cBhvr>
-                                        <p:cTn id="6" dur="1" fill="hold">
-                                          <p:stCondLst>
-                                            <p:cond delay="0"/>
-                                          </p:stCondLst>
-                                        </p:cTn>
-                                        <p:tgtEl>
-                                          <p:spTgt spid="2"/>
-                                        </p:tgtEl>
-                                        <p:attrNameLst>
-                                          <p:attrName>style.visibility</p:attrName>
-                                        </p:attrNameLst>
-                                      </p:cBhvr>
-                                      <p:to>
-                                        <p:strVal val="visible"/>
-                                      </p:to>
-                                    </p:set>
-                                    <p:animEffect transition="in" filter="fade">
-                                      <p:cBhvr>
-                                        <p:cTn id="7" dur="700"/>
-                                        <p:tgtEl>
-                                          <p:spTgt spid="2"/>
-                                        </p:tgtEl>
-                                      </p:cBhvr>
-                                    </p:animEffect>
-                                  </p:childTnLst>
-                                </p:cTn>
-                              </p:par>
-                            </p:childTnLst>
-                          </p:cTn>
-                        </p:par>
-                      </p:childTnLst>
-                    </p:cTn>
-                  </p:par>
-                </p:childTnLst>
-              </p:cTn>
-              <p:prevCondLst>
-                <p:cond evt="onPrev" delay="0">
-                  <p:tgtEl>
-                    <p:sldTgt/>
-                  </p:tgtEl>
-                </p:cond>
-              </p:prevCondLst>
-              <p:nextCondLst>
-                <p:cond evt="onNext" delay="0">
-                  <p:tgtEl>
-                    <p:sldTgt/>
-                  </p:tgtEl>
-                </p:cond>
-              </p:nextCondLst>
-            </p:seq>
-          </p:childTnLst>
-        </p:cTn>
-      </p:par>
-    </p:tnLst>
-    <p:bldLst>
-      <p:bldP spid="2" grpId="0"/>
-    </p:bldLst>
-  </p:timing>
-</p:sld>
-</file>
-
-<file path=ppt/slides/slide6.xml><?xml version="1.0" encoding="utf-8"?>
-<p:sld xmlns:a="http://schemas.openxmlformats.org/drawingml/2006/main" xmlns:r="http://schemas.openxmlformats.org/officeDocument/2006/relationships" xmlns:p="http://schemas.openxmlformats.org/presentationml/2006/main">
-  <p:cSld>
-    <p:bg>
-      <p:bgPr>
-        <a:solidFill>
-          <a:schemeClr val="bg1"/>
-        </a:solidFill>
-        <a:effectLst/>
-      </p:bgPr>
-    </p:bg>
-    <p:spTree>
-      <p:nvGrpSpPr>
-        <p:cNvPr id="1" name=""/>
-        <p:cNvGrpSpPr/>
-        <p:nvPr/>
-      </p:nvGrpSpPr>
-      <p:grpSpPr>
-        <a:xfrm>
-          <a:off x="0" y="0"/>
-          <a:ext cx="0" cy="0"/>
-          <a:chOff x="0" y="0"/>
-          <a:chExt cx="0" cy="0"/>
-        </a:xfrm>
-      </p:grpSpPr>
-      <p:sp useBgFill="1">
-        <p:nvSpPr>
-          <p:cNvPr id="24" name="Rectangle 23">
-            <a:extLst>
-              <a:ext uri="{FF2B5EF4-FFF2-40B4-BE49-F238E27FC236}">
-                <a16:creationId xmlns:a16="http://schemas.microsoft.com/office/drawing/2014/main" id="{8F404549-B4DC-481C-926C-DED3EF1C585B}"/>
-              </a:ext>
-              <a:ext uri="{C183D7F6-B498-43B3-948B-1728B52AA6E4}">
-                <adec:decorative xmlns:adec="http://schemas.microsoft.com/office/drawing/2017/decorative" val="1"/>
-              </a:ext>
-            </a:extLst>
-          </p:cNvPr>
-          <p:cNvSpPr>
-            <a:spLocks noGrp="1" noRot="1" noChangeAspect="1" noMove="1" noResize="1" noEditPoints="1" noAdjustHandles="1" noChangeArrowheads="1" noChangeShapeType="1" noTextEdit="1"/>
-          </p:cNvSpPr>
-          <p:nvPr>
-            <p:extLst>
-              <p:ext uri="{386F3935-93C4-4BCD-93E2-E3B085C9AB24}">
-                <p16:designElem xmlns:p16="http://schemas.microsoft.com/office/powerpoint/2015/main" val="1"/>
-              </p:ext>
-            </p:extLst>
-          </p:nvPr>
-        </p:nvSpPr>
-        <p:spPr>
-          <a:xfrm>
-            <a:off x="0" y="614406"/>
-            <a:ext cx="12192000" cy="6243593"/>
-          </a:xfrm>
-          <a:prstGeom prst="rect">
-            <a:avLst/>
-          </a:prstGeom>
-          <a:ln>
-            <a:noFill/>
-          </a:ln>
-        </p:spPr>
-        <p:style>
-          <a:lnRef idx="2">
-            <a:schemeClr val="accent1">
-              <a:shade val="50000"/>
-            </a:schemeClr>
-          </a:lnRef>
-          <a:fillRef idx="1">
-            <a:schemeClr val="accent1"/>
-          </a:fillRef>
-          <a:effectRef idx="0">
-            <a:schemeClr val="accent1"/>
-          </a:effectRef>
-          <a:fontRef idx="minor">
-            <a:schemeClr val="lt1"/>
-          </a:fontRef>
-        </p:style>
-        <p:txBody>
-          <a:bodyPr rtlCol="0" anchor="ctr"/>
-          <a:lstStyle/>
-          <a:p>
-            <a:pPr algn="ctr"/>
-            <a:endParaRPr lang="en-US"/>
-          </a:p>
-        </p:txBody>
-      </p:sp>
-      <p:sp>
-        <p:nvSpPr>
-          <p:cNvPr id="26" name="Rectangle 25">
-            <a:extLst>
-              <a:ext uri="{FF2B5EF4-FFF2-40B4-BE49-F238E27FC236}">
-                <a16:creationId xmlns:a16="http://schemas.microsoft.com/office/drawing/2014/main" id="{1E8FD5CD-351E-4B06-8B78-BD5102D00908}"/>
-              </a:ext>
-              <a:ext uri="{C183D7F6-B498-43B3-948B-1728B52AA6E4}">
-                <adec:decorative xmlns:adec="http://schemas.microsoft.com/office/drawing/2017/decorative" val="1"/>
-              </a:ext>
-            </a:extLst>
-          </p:cNvPr>
-          <p:cNvSpPr>
-            <a:spLocks noGrp="1" noRot="1" noChangeAspect="1" noMove="1" noResize="1" noEditPoints="1" noAdjustHandles="1" noChangeArrowheads="1" noChangeShapeType="1" noTextEdit="1"/>
-          </p:cNvSpPr>
-          <p:nvPr>
-            <p:extLst>
-              <p:ext uri="{386F3935-93C4-4BCD-93E2-E3B085C9AB24}">
-                <p16:designElem xmlns:p16="http://schemas.microsoft.com/office/powerpoint/2015/main" val="1"/>
-              </p:ext>
-            </p:extLst>
-          </p:nvPr>
-        </p:nvSpPr>
-        <p:spPr>
-          <a:xfrm>
-            <a:off x="442377" y="614407"/>
-            <a:ext cx="3707477" cy="5611772"/>
-          </a:xfrm>
-          <a:prstGeom prst="rect">
-            <a:avLst/>
-          </a:prstGeom>
-          <a:solidFill>
-            <a:schemeClr val="accent1"/>
-          </a:solidFill>
-          <a:ln>
-            <a:noFill/>
-          </a:ln>
-          <a:effectLst/>
-        </p:spPr>
-        <p:style>
-          <a:lnRef idx="1">
-            <a:schemeClr val="accent1"/>
-          </a:lnRef>
-          <a:fillRef idx="3">
-            <a:schemeClr val="accent1"/>
-          </a:fillRef>
-          <a:effectRef idx="2">
-            <a:schemeClr val="accent1"/>
-          </a:effectRef>
-          <a:fontRef idx="minor">
-            <a:schemeClr val="lt1"/>
-          </a:fontRef>
-        </p:style>
-      </p:sp>
-      <p:sp>
-        <p:nvSpPr>
-          <p:cNvPr id="2" name="Title 1">
-            <a:extLst>
-              <a:ext uri="{FF2B5EF4-FFF2-40B4-BE49-F238E27FC236}">
-                <a16:creationId xmlns:a16="http://schemas.microsoft.com/office/drawing/2014/main" id="{D2FAA74D-F420-A0D0-C64B-FF8E0A85CA63}"/>
-              </a:ext>
-            </a:extLst>
-          </p:cNvPr>
-          <p:cNvSpPr>
-            <a:spLocks noGrp="1"/>
-          </p:cNvSpPr>
-          <p:nvPr>
-            <p:ph type="title"/>
-          </p:nvPr>
-        </p:nvSpPr>
-        <p:spPr>
-          <a:xfrm>
-            <a:off x="601255" y="702156"/>
-            <a:ext cx="3409783" cy="1013800"/>
-          </a:xfrm>
-        </p:spPr>
-        <p:txBody>
-          <a:bodyPr>
-            <a:normAutofit/>
-          </a:bodyPr>
-          <a:lstStyle/>
-          <a:p>
-            <a:pPr>
-              <a:lnSpc>
-                <a:spcPct val="90000"/>
-              </a:lnSpc>
-            </a:pPr>
-            <a:r>
-              <a:rPr lang="en-AU" sz="2000"/>
-              <a:t>Task Overview – Portable Humidity and Temperature Display</a:t>
+              <a:rPr lang="en-AU" sz="2000" dirty="0"/>
+              <a:t>Task Overview </a:t>
             </a:r>
           </a:p>
         </p:txBody>
@@ -6638,7 +6469,7 @@
                   <a:schemeClr val="bg1"/>
                 </a:solidFill>
               </a:rPr>
-              <a:t>LCD Display</a:t>
+              <a:t>L2930 motor controller</a:t>
             </a:r>
           </a:p>
           <a:p>
@@ -6688,7 +6519,7 @@
                   <a:schemeClr val="bg1"/>
                 </a:solidFill>
               </a:rPr>
-              <a:t>Potentiometer</a:t>
+              <a:t>Motor</a:t>
             </a:r>
           </a:p>
           <a:p>
@@ -6709,10 +6540,10 @@
       </p:sp>
       <p:pic>
         <p:nvPicPr>
-          <p:cNvPr id="4" name="Picture 3" descr="A picture containing text, electronics&#10;&#10;Description automatically generated">
+          <p:cNvPr id="5" name="Picture 4">
             <a:extLst>
               <a:ext uri="{FF2B5EF4-FFF2-40B4-BE49-F238E27FC236}">
-                <a16:creationId xmlns:a16="http://schemas.microsoft.com/office/drawing/2014/main" id="{C5174ACE-B07E-5341-EDD2-5B7F2D29CE63}"/>
+                <a16:creationId xmlns:a16="http://schemas.microsoft.com/office/drawing/2014/main" id="{A15BD155-0BE8-FD2D-E964-709E39EA412E}"/>
               </a:ext>
             </a:extLst>
           </p:cNvPr>
@@ -6741,597 +6572,6 @@
     <p:extLst>
       <p:ext uri="{BB962C8B-B14F-4D97-AF65-F5344CB8AC3E}">
         <p14:creationId xmlns:p14="http://schemas.microsoft.com/office/powerpoint/2010/main" val="1292398633"/>
-      </p:ext>
-    </p:extLst>
-  </p:cSld>
-  <p:clrMapOvr>
-    <a:masterClrMapping/>
-  </p:clrMapOvr>
-</p:sld>
-</file>
-
-<file path=ppt/slides/slide7.xml><?xml version="1.0" encoding="utf-8"?>
-<p:sld xmlns:a="http://schemas.openxmlformats.org/drawingml/2006/main" xmlns:r="http://schemas.openxmlformats.org/officeDocument/2006/relationships" xmlns:p="http://schemas.openxmlformats.org/presentationml/2006/main">
-  <p:cSld>
-    <p:bg>
-      <p:bgPr>
-        <a:solidFill>
-          <a:schemeClr val="bg1"/>
-        </a:solidFill>
-        <a:effectLst/>
-      </p:bgPr>
-    </p:bg>
-    <p:spTree>
-      <p:nvGrpSpPr>
-        <p:cNvPr id="1" name=""/>
-        <p:cNvGrpSpPr/>
-        <p:nvPr/>
-      </p:nvGrpSpPr>
-      <p:grpSpPr>
-        <a:xfrm>
-          <a:off x="0" y="0"/>
-          <a:ext cx="0" cy="0"/>
-          <a:chOff x="0" y="0"/>
-          <a:chExt cx="0" cy="0"/>
-        </a:xfrm>
-      </p:grpSpPr>
-      <p:sp useBgFill="1">
-        <p:nvSpPr>
-          <p:cNvPr id="41" name="Rectangle 40">
-            <a:extLst>
-              <a:ext uri="{FF2B5EF4-FFF2-40B4-BE49-F238E27FC236}">
-                <a16:creationId xmlns:a16="http://schemas.microsoft.com/office/drawing/2014/main" id="{8F404549-B4DC-481C-926C-DED3EF1C585B}"/>
-              </a:ext>
-              <a:ext uri="{C183D7F6-B498-43B3-948B-1728B52AA6E4}">
-                <adec:decorative xmlns:adec="http://schemas.microsoft.com/office/drawing/2017/decorative" val="1"/>
-              </a:ext>
-            </a:extLst>
-          </p:cNvPr>
-          <p:cNvSpPr>
-            <a:spLocks noGrp="1" noRot="1" noChangeAspect="1" noMove="1" noResize="1" noEditPoints="1" noAdjustHandles="1" noChangeArrowheads="1" noChangeShapeType="1" noTextEdit="1"/>
-          </p:cNvSpPr>
-          <p:nvPr>
-            <p:extLst>
-              <p:ext uri="{386F3935-93C4-4BCD-93E2-E3B085C9AB24}">
-                <p16:designElem xmlns:p16="http://schemas.microsoft.com/office/powerpoint/2015/main" val="1"/>
-              </p:ext>
-            </p:extLst>
-          </p:nvPr>
-        </p:nvSpPr>
-        <p:spPr>
-          <a:xfrm>
-            <a:off x="0" y="614406"/>
-            <a:ext cx="12192000" cy="6243593"/>
-          </a:xfrm>
-          <a:prstGeom prst="rect">
-            <a:avLst/>
-          </a:prstGeom>
-          <a:ln>
-            <a:noFill/>
-          </a:ln>
-        </p:spPr>
-        <p:style>
-          <a:lnRef idx="2">
-            <a:schemeClr val="accent1">
-              <a:shade val="50000"/>
-            </a:schemeClr>
-          </a:lnRef>
-          <a:fillRef idx="1">
-            <a:schemeClr val="accent1"/>
-          </a:fillRef>
-          <a:effectRef idx="0">
-            <a:schemeClr val="accent1"/>
-          </a:effectRef>
-          <a:fontRef idx="minor">
-            <a:schemeClr val="lt1"/>
-          </a:fontRef>
-        </p:style>
-        <p:txBody>
-          <a:bodyPr rtlCol="0" anchor="ctr"/>
-          <a:lstStyle/>
-          <a:p>
-            <a:pPr algn="ctr"/>
-            <a:endParaRPr lang="en-US"/>
-          </a:p>
-        </p:txBody>
-      </p:sp>
-      <p:sp>
-        <p:nvSpPr>
-          <p:cNvPr id="43" name="Rectangle 42">
-            <a:extLst>
-              <a:ext uri="{FF2B5EF4-FFF2-40B4-BE49-F238E27FC236}">
-                <a16:creationId xmlns:a16="http://schemas.microsoft.com/office/drawing/2014/main" id="{1E8FD5CD-351E-4B06-8B78-BD5102D00908}"/>
-              </a:ext>
-              <a:ext uri="{C183D7F6-B498-43B3-948B-1728B52AA6E4}">
-                <adec:decorative xmlns:adec="http://schemas.microsoft.com/office/drawing/2017/decorative" val="1"/>
-              </a:ext>
-            </a:extLst>
-          </p:cNvPr>
-          <p:cNvSpPr>
-            <a:spLocks noGrp="1" noRot="1" noChangeAspect="1" noMove="1" noResize="1" noEditPoints="1" noAdjustHandles="1" noChangeArrowheads="1" noChangeShapeType="1" noTextEdit="1"/>
-          </p:cNvSpPr>
-          <p:nvPr>
-            <p:extLst>
-              <p:ext uri="{386F3935-93C4-4BCD-93E2-E3B085C9AB24}">
-                <p16:designElem xmlns:p16="http://schemas.microsoft.com/office/powerpoint/2015/main" val="1"/>
-              </p:ext>
-            </p:extLst>
-          </p:nvPr>
-        </p:nvSpPr>
-        <p:spPr>
-          <a:xfrm>
-            <a:off x="442377" y="614407"/>
-            <a:ext cx="3707477" cy="5611772"/>
-          </a:xfrm>
-          <a:prstGeom prst="rect">
-            <a:avLst/>
-          </a:prstGeom>
-          <a:solidFill>
-            <a:schemeClr val="accent1"/>
-          </a:solidFill>
-          <a:ln>
-            <a:noFill/>
-          </a:ln>
-          <a:effectLst/>
-        </p:spPr>
-        <p:style>
-          <a:lnRef idx="1">
-            <a:schemeClr val="accent1"/>
-          </a:lnRef>
-          <a:fillRef idx="3">
-            <a:schemeClr val="accent1"/>
-          </a:fillRef>
-          <a:effectRef idx="2">
-            <a:schemeClr val="accent1"/>
-          </a:effectRef>
-          <a:fontRef idx="minor">
-            <a:schemeClr val="lt1"/>
-          </a:fontRef>
-        </p:style>
-      </p:sp>
-      <p:sp>
-        <p:nvSpPr>
-          <p:cNvPr id="2" name="Title 1">
-            <a:extLst>
-              <a:ext uri="{FF2B5EF4-FFF2-40B4-BE49-F238E27FC236}">
-                <a16:creationId xmlns:a16="http://schemas.microsoft.com/office/drawing/2014/main" id="{D15FD7D9-1BE8-B4F1-9809-9D2A97895BEE}"/>
-              </a:ext>
-            </a:extLst>
-          </p:cNvPr>
-          <p:cNvSpPr>
-            <a:spLocks noGrp="1"/>
-          </p:cNvSpPr>
-          <p:nvPr>
-            <p:ph type="title"/>
-          </p:nvPr>
-        </p:nvSpPr>
-        <p:spPr>
-          <a:xfrm>
-            <a:off x="601255" y="702156"/>
-            <a:ext cx="3409783" cy="1013800"/>
-          </a:xfrm>
-        </p:spPr>
-        <p:txBody>
-          <a:bodyPr vert="horz" lIns="91440" tIns="45720" rIns="91440" bIns="45720" rtlCol="0" anchor="b">
-            <a:normAutofit/>
-          </a:bodyPr>
-          <a:lstStyle/>
-          <a:p>
-            <a:pPr>
-              <a:lnSpc>
-                <a:spcPct val="90000"/>
-              </a:lnSpc>
-            </a:pPr>
-            <a:r>
-              <a:rPr lang="en-US" sz="2200"/>
-              <a:t>Ultrasonic Sensor – Measuring distance</a:t>
-            </a:r>
-          </a:p>
-        </p:txBody>
-      </p:sp>
-      <p:sp>
-        <p:nvSpPr>
-          <p:cNvPr id="5" name="TextBox 4">
-            <a:extLst>
-              <a:ext uri="{FF2B5EF4-FFF2-40B4-BE49-F238E27FC236}">
-                <a16:creationId xmlns:a16="http://schemas.microsoft.com/office/drawing/2014/main" id="{CF5D816F-A431-BCF4-52B5-00D46E41AE65}"/>
-              </a:ext>
-            </a:extLst>
-          </p:cNvPr>
-          <p:cNvSpPr txBox="1"/>
-          <p:nvPr/>
-        </p:nvSpPr>
-        <p:spPr>
-          <a:xfrm>
-            <a:off x="601255" y="1964168"/>
-            <a:ext cx="3409782" cy="4036582"/>
-          </a:xfrm>
-          <a:prstGeom prst="rect">
-            <a:avLst/>
-          </a:prstGeom>
-        </p:spPr>
-        <p:txBody>
-          <a:bodyPr vert="horz" lIns="91440" tIns="45720" rIns="91440" bIns="45720" rtlCol="0" anchor="ctr">
-            <a:normAutofit/>
-          </a:bodyPr>
-          <a:lstStyle/>
-          <a:p>
-            <a:pPr>
-              <a:spcBef>
-                <a:spcPct val="20000"/>
-              </a:spcBef>
-              <a:spcAft>
-                <a:spcPts val="600"/>
-              </a:spcAft>
-              <a:buClr>
-                <a:schemeClr val="accent2"/>
-              </a:buClr>
-              <a:buSzPct val="92000"/>
-              <a:buFont typeface="Wingdings 2" panose="05020102010507070707" pitchFamily="18" charset="2"/>
-              <a:buChar char=""/>
-            </a:pPr>
-            <a:endParaRPr lang="en-US" dirty="0">
-              <a:solidFill>
-                <a:schemeClr val="bg1"/>
-              </a:solidFill>
-            </a:endParaRPr>
-          </a:p>
-        </p:txBody>
-      </p:sp>
-      <p:pic>
-        <p:nvPicPr>
-          <p:cNvPr id="4" name="Picture 3" descr="Graphical user interface, diagram, schematic&#10;&#10;Description automatically generated">
-            <a:extLst>
-              <a:ext uri="{FF2B5EF4-FFF2-40B4-BE49-F238E27FC236}">
-                <a16:creationId xmlns:a16="http://schemas.microsoft.com/office/drawing/2014/main" id="{E2AA1CA0-02B9-1856-6829-73A1C31CD018}"/>
-              </a:ext>
-            </a:extLst>
-          </p:cNvPr>
-          <p:cNvPicPr>
-            <a:picLocks noChangeAspect="1"/>
-          </p:cNvPicPr>
-          <p:nvPr/>
-        </p:nvPicPr>
-        <p:blipFill>
-          <a:blip r:embed="rId2"/>
-          <a:stretch>
-            <a:fillRect/>
-          </a:stretch>
-        </p:blipFill>
-        <p:spPr>
-          <a:xfrm>
-            <a:off x="4791522" y="1524818"/>
-            <a:ext cx="6489819" cy="3828993"/>
-          </a:xfrm>
-          <a:prstGeom prst="rect">
-            <a:avLst/>
-          </a:prstGeom>
-        </p:spPr>
-      </p:pic>
-      <p:sp>
-        <p:nvSpPr>
-          <p:cNvPr id="8" name="TextBox 7">
-            <a:extLst>
-              <a:ext uri="{FF2B5EF4-FFF2-40B4-BE49-F238E27FC236}">
-                <a16:creationId xmlns:a16="http://schemas.microsoft.com/office/drawing/2014/main" id="{8CA35354-A7E4-0981-E0E7-9E334203ABB3}"/>
-              </a:ext>
-            </a:extLst>
-          </p:cNvPr>
-          <p:cNvSpPr txBox="1"/>
-          <p:nvPr/>
-        </p:nvSpPr>
-        <p:spPr>
-          <a:xfrm>
-            <a:off x="601255" y="1964168"/>
-            <a:ext cx="3409782" cy="4036582"/>
-          </a:xfrm>
-          <a:prstGeom prst="rect">
-            <a:avLst/>
-          </a:prstGeom>
-        </p:spPr>
-        <p:txBody>
-          <a:bodyPr vert="horz" lIns="91440" tIns="45720" rIns="91440" bIns="45720" rtlCol="0" anchor="ctr">
-            <a:normAutofit/>
-          </a:bodyPr>
-          <a:lstStyle/>
-          <a:p>
-            <a:pPr>
-              <a:spcBef>
-                <a:spcPct val="20000"/>
-              </a:spcBef>
-              <a:spcAft>
-                <a:spcPts val="600"/>
-              </a:spcAft>
-              <a:buClr>
-                <a:schemeClr val="accent2"/>
-              </a:buClr>
-              <a:buSzPct val="92000"/>
-              <a:buFont typeface="Wingdings 2" panose="05020102010507070707" pitchFamily="18" charset="2"/>
-              <a:buChar char=""/>
-            </a:pPr>
-            <a:endParaRPr lang="en-US" dirty="0">
-              <a:solidFill>
-                <a:schemeClr val="bg1"/>
-              </a:solidFill>
-            </a:endParaRPr>
-          </a:p>
-        </p:txBody>
-      </p:sp>
-    </p:spTree>
-    <p:extLst>
-      <p:ext uri="{BB962C8B-B14F-4D97-AF65-F5344CB8AC3E}">
-        <p14:creationId xmlns:p14="http://schemas.microsoft.com/office/powerpoint/2010/main" val="3578088725"/>
-      </p:ext>
-    </p:extLst>
-  </p:cSld>
-  <p:clrMapOvr>
-    <a:masterClrMapping/>
-  </p:clrMapOvr>
-</p:sld>
-</file>
-
-<file path=ppt/slides/slide8.xml><?xml version="1.0" encoding="utf-8"?>
-<p:sld xmlns:a="http://schemas.openxmlformats.org/drawingml/2006/main" xmlns:r="http://schemas.openxmlformats.org/officeDocument/2006/relationships" xmlns:p="http://schemas.openxmlformats.org/presentationml/2006/main">
-  <p:cSld>
-    <p:bg>
-      <p:bgPr>
-        <a:solidFill>
-          <a:schemeClr val="bg1"/>
-        </a:solidFill>
-        <a:effectLst/>
-      </p:bgPr>
-    </p:bg>
-    <p:spTree>
-      <p:nvGrpSpPr>
-        <p:cNvPr id="1" name=""/>
-        <p:cNvGrpSpPr/>
-        <p:nvPr/>
-      </p:nvGrpSpPr>
-      <p:grpSpPr>
-        <a:xfrm>
-          <a:off x="0" y="0"/>
-          <a:ext cx="0" cy="0"/>
-          <a:chOff x="0" y="0"/>
-          <a:chExt cx="0" cy="0"/>
-        </a:xfrm>
-      </p:grpSpPr>
-      <p:sp useBgFill="1">
-        <p:nvSpPr>
-          <p:cNvPr id="38" name="Rectangle 27">
-            <a:extLst>
-              <a:ext uri="{FF2B5EF4-FFF2-40B4-BE49-F238E27FC236}">
-                <a16:creationId xmlns:a16="http://schemas.microsoft.com/office/drawing/2014/main" id="{8F404549-B4DC-481C-926C-DED3EF1C585B}"/>
-              </a:ext>
-              <a:ext uri="{C183D7F6-B498-43B3-948B-1728B52AA6E4}">
-                <adec:decorative xmlns:adec="http://schemas.microsoft.com/office/drawing/2017/decorative" val="1"/>
-              </a:ext>
-            </a:extLst>
-          </p:cNvPr>
-          <p:cNvSpPr>
-            <a:spLocks noGrp="1" noRot="1" noChangeAspect="1" noMove="1" noResize="1" noEditPoints="1" noAdjustHandles="1" noChangeArrowheads="1" noChangeShapeType="1" noTextEdit="1"/>
-          </p:cNvSpPr>
-          <p:nvPr>
-            <p:extLst>
-              <p:ext uri="{386F3935-93C4-4BCD-93E2-E3B085C9AB24}">
-                <p16:designElem xmlns:p16="http://schemas.microsoft.com/office/powerpoint/2015/main" val="1"/>
-              </p:ext>
-            </p:extLst>
-          </p:nvPr>
-        </p:nvSpPr>
-        <p:spPr>
-          <a:xfrm>
-            <a:off x="0" y="614406"/>
-            <a:ext cx="12192000" cy="6243593"/>
-          </a:xfrm>
-          <a:prstGeom prst="rect">
-            <a:avLst/>
-          </a:prstGeom>
-          <a:ln>
-            <a:noFill/>
-          </a:ln>
-        </p:spPr>
-        <p:style>
-          <a:lnRef idx="2">
-            <a:schemeClr val="accent1">
-              <a:shade val="50000"/>
-            </a:schemeClr>
-          </a:lnRef>
-          <a:fillRef idx="1">
-            <a:schemeClr val="accent1"/>
-          </a:fillRef>
-          <a:effectRef idx="0">
-            <a:schemeClr val="accent1"/>
-          </a:effectRef>
-          <a:fontRef idx="minor">
-            <a:schemeClr val="lt1"/>
-          </a:fontRef>
-        </p:style>
-        <p:txBody>
-          <a:bodyPr rtlCol="0" anchor="ctr"/>
-          <a:lstStyle/>
-          <a:p>
-            <a:pPr algn="ctr"/>
-            <a:endParaRPr lang="en-US"/>
-          </a:p>
-        </p:txBody>
-      </p:sp>
-      <p:sp>
-        <p:nvSpPr>
-          <p:cNvPr id="39" name="Rectangle 29">
-            <a:extLst>
-              <a:ext uri="{FF2B5EF4-FFF2-40B4-BE49-F238E27FC236}">
-                <a16:creationId xmlns:a16="http://schemas.microsoft.com/office/drawing/2014/main" id="{1E8FD5CD-351E-4B06-8B78-BD5102D00908}"/>
-              </a:ext>
-              <a:ext uri="{C183D7F6-B498-43B3-948B-1728B52AA6E4}">
-                <adec:decorative xmlns:adec="http://schemas.microsoft.com/office/drawing/2017/decorative" val="1"/>
-              </a:ext>
-            </a:extLst>
-          </p:cNvPr>
-          <p:cNvSpPr>
-            <a:spLocks noGrp="1" noRot="1" noChangeAspect="1" noMove="1" noResize="1" noEditPoints="1" noAdjustHandles="1" noChangeArrowheads="1" noChangeShapeType="1" noTextEdit="1"/>
-          </p:cNvSpPr>
-          <p:nvPr>
-            <p:extLst>
-              <p:ext uri="{386F3935-93C4-4BCD-93E2-E3B085C9AB24}">
-                <p16:designElem xmlns:p16="http://schemas.microsoft.com/office/powerpoint/2015/main" val="1"/>
-              </p:ext>
-            </p:extLst>
-          </p:nvPr>
-        </p:nvSpPr>
-        <p:spPr>
-          <a:xfrm>
-            <a:off x="442377" y="614407"/>
-            <a:ext cx="3707477" cy="5611772"/>
-          </a:xfrm>
-          <a:prstGeom prst="rect">
-            <a:avLst/>
-          </a:prstGeom>
-          <a:solidFill>
-            <a:schemeClr val="accent1"/>
-          </a:solidFill>
-          <a:ln>
-            <a:noFill/>
-          </a:ln>
-          <a:effectLst/>
-        </p:spPr>
-        <p:style>
-          <a:lnRef idx="1">
-            <a:schemeClr val="accent1"/>
-          </a:lnRef>
-          <a:fillRef idx="3">
-            <a:schemeClr val="accent1"/>
-          </a:fillRef>
-          <a:effectRef idx="2">
-            <a:schemeClr val="accent1"/>
-          </a:effectRef>
-          <a:fontRef idx="minor">
-            <a:schemeClr val="lt1"/>
-          </a:fontRef>
-        </p:style>
-      </p:sp>
-      <p:sp>
-        <p:nvSpPr>
-          <p:cNvPr id="2" name="Title 1">
-            <a:extLst>
-              <a:ext uri="{FF2B5EF4-FFF2-40B4-BE49-F238E27FC236}">
-                <a16:creationId xmlns:a16="http://schemas.microsoft.com/office/drawing/2014/main" id="{D2FAA74D-F420-A0D0-C64B-FF8E0A85CA63}"/>
-              </a:ext>
-            </a:extLst>
-          </p:cNvPr>
-          <p:cNvSpPr>
-            <a:spLocks noGrp="1"/>
-          </p:cNvSpPr>
-          <p:nvPr>
-            <p:ph type="title"/>
-          </p:nvPr>
-        </p:nvSpPr>
-        <p:spPr>
-          <a:xfrm>
-            <a:off x="601255" y="702156"/>
-            <a:ext cx="3409783" cy="1013800"/>
-          </a:xfrm>
-        </p:spPr>
-        <p:txBody>
-          <a:bodyPr>
-            <a:normAutofit/>
-          </a:bodyPr>
-          <a:lstStyle/>
-          <a:p>
-            <a:pPr>
-              <a:lnSpc>
-                <a:spcPct val="90000"/>
-              </a:lnSpc>
-            </a:pPr>
-            <a:r>
-              <a:rPr lang="en-AU" sz="2200"/>
-              <a:t>Task Overview – Portable distance sensor</a:t>
-            </a:r>
-          </a:p>
-        </p:txBody>
-      </p:sp>
-      <p:sp>
-        <p:nvSpPr>
-          <p:cNvPr id="25" name="Content Placeholder 24">
-            <a:extLst>
-              <a:ext uri="{FF2B5EF4-FFF2-40B4-BE49-F238E27FC236}">
-                <a16:creationId xmlns:a16="http://schemas.microsoft.com/office/drawing/2014/main" id="{FB40A66A-E915-2BA7-46F5-DA851DE03CB7}"/>
-              </a:ext>
-            </a:extLst>
-          </p:cNvPr>
-          <p:cNvSpPr>
-            <a:spLocks noGrp="1"/>
-          </p:cNvSpPr>
-          <p:nvPr>
-            <p:ph idx="1"/>
-          </p:nvPr>
-        </p:nvSpPr>
-        <p:spPr>
-          <a:xfrm>
-            <a:off x="601255" y="1964168"/>
-            <a:ext cx="3409782" cy="4036582"/>
-          </a:xfrm>
-        </p:spPr>
-        <p:txBody>
-          <a:bodyPr>
-            <a:normAutofit/>
-          </a:bodyPr>
-          <a:lstStyle/>
-          <a:p>
-            <a:r>
-              <a:rPr lang="en-US" dirty="0">
-                <a:solidFill>
-                  <a:schemeClr val="bg1"/>
-                </a:solidFill>
-              </a:rPr>
-              <a:t>Once we connect the LCD, instead of using pin 12 and 11, we will use pin 2 and 3  </a:t>
-            </a:r>
-          </a:p>
-          <a:p>
-            <a:r>
-              <a:rPr lang="en-US" dirty="0">
-                <a:solidFill>
-                  <a:schemeClr val="bg1"/>
-                </a:solidFill>
-              </a:rPr>
-              <a:t>Connect the power board in the correct position (Same as previous </a:t>
-            </a:r>
-          </a:p>
-        </p:txBody>
-      </p:sp>
-      <p:pic>
-        <p:nvPicPr>
-          <p:cNvPr id="17" name="Content Placeholder 16" descr="A close-up of a circuit board&#10;&#10;Description automatically generated with low confidence">
-            <a:extLst>
-              <a:ext uri="{FF2B5EF4-FFF2-40B4-BE49-F238E27FC236}">
-                <a16:creationId xmlns:a16="http://schemas.microsoft.com/office/drawing/2014/main" id="{1D561A8F-D53E-D8B1-0E4E-E1D9882BC7DC}"/>
-              </a:ext>
-            </a:extLst>
-          </p:cNvPr>
-          <p:cNvPicPr>
-            <a:picLocks noChangeAspect="1"/>
-          </p:cNvPicPr>
-          <p:nvPr/>
-        </p:nvPicPr>
-        <p:blipFill>
-          <a:blip r:embed="rId2"/>
-          <a:stretch>
-            <a:fillRect/>
-          </a:stretch>
-        </p:blipFill>
-        <p:spPr>
-          <a:xfrm>
-            <a:off x="4932866" y="1111641"/>
-            <a:ext cx="6207130" cy="4655348"/>
-          </a:xfrm>
-          <a:prstGeom prst="rect">
-            <a:avLst/>
-          </a:prstGeom>
-        </p:spPr>
-      </p:pic>
-    </p:spTree>
-    <p:extLst>
-      <p:ext uri="{BB962C8B-B14F-4D97-AF65-F5344CB8AC3E}">
-        <p14:creationId xmlns:p14="http://schemas.microsoft.com/office/powerpoint/2010/main" val="2694637853"/>
       </p:ext>
     </p:extLst>
   </p:cSld>
